--- a/11.+MyStore案例6.pptx
+++ b/11.+MyStore案例6.pptx
@@ -193,7 +193,7 @@
   </p:defaultTextStyle>
   <p:extLst>
     <p:ext uri="{EFAFB233-063F-42B5-8137-9DF3F51BA10A}">
-      <p15:sldGuideLst xmlns:p15="http://schemas.microsoft.com/office/powerpoint/2012/main" xmlns="">
+      <p15:sldGuideLst xmlns="" xmlns:p15="http://schemas.microsoft.com/office/powerpoint/2012/main">
         <p15:guide id="1" orient="horz" pos="2160">
           <p15:clr>
             <a:srgbClr val="A4A3A4"/>
@@ -207,7 +207,7 @@
       </p15:sldGuideLst>
     </p:ext>
     <p:ext uri="{2D200454-40CA-4A62-9FC3-DE9A4176ACB9}">
-      <p15:notesGuideLst xmlns:p15="http://schemas.microsoft.com/office/powerpoint/2012/main" xmlns="">
+      <p15:notesGuideLst xmlns="" xmlns:p15="http://schemas.microsoft.com/office/powerpoint/2012/main">
         <p15:guide id="1" orient="horz" pos="2880">
           <p15:clr>
             <a:srgbClr val="A4A3A4"/>
@@ -325,7 +325,7 @@
               <a:pPr>
                 <a:defRPr/>
               </a:pPr>
-              <a:t>2016-10-26</a:t>
+              <a:t>2016/11/2</a:t>
             </a:fld>
             <a:endParaRPr lang="zh-CN" altLang="en-US"/>
           </a:p>
@@ -419,7 +419,7 @@
     </p:spTree>
     <p:extLst>
       <p:ext uri="{BB962C8B-B14F-4D97-AF65-F5344CB8AC3E}">
-        <p14:creationId xmlns:p14="http://schemas.microsoft.com/office/powerpoint/2010/main" xmlns="" val="399991785"/>
+        <p14:creationId xmlns:p14="http://schemas.microsoft.com/office/powerpoint/2010/main" val="399991785"/>
       </p:ext>
     </p:extLst>
   </p:cSld>
@@ -528,7 +528,7 @@
               <a:pPr>
                 <a:defRPr/>
               </a:pPr>
-              <a:t>2016-10-26</a:t>
+              <a:t>2016/11/2</a:t>
             </a:fld>
             <a:endParaRPr lang="zh-CN" altLang="en-US"/>
           </a:p>
@@ -717,7 +717,7 @@
     </p:spTree>
     <p:extLst>
       <p:ext uri="{BB962C8B-B14F-4D97-AF65-F5344CB8AC3E}">
-        <p14:creationId xmlns:p14="http://schemas.microsoft.com/office/powerpoint/2010/main" xmlns="" val="3172609976"/>
+        <p14:creationId xmlns:p14="http://schemas.microsoft.com/office/powerpoint/2010/main" val="3172609976"/>
       </p:ext>
     </p:extLst>
   </p:cSld>
@@ -878,14 +878,14 @@
           <a:noFill/>
           <a:extLst>
             <a:ext uri="{909E8E84-426E-40DD-AFC4-6F175D3DCCD1}">
-              <a14:hiddenFill xmlns:a14="http://schemas.microsoft.com/office/drawing/2010/main" xmlns="">
+              <a14:hiddenFill xmlns:a14="http://schemas.microsoft.com/office/drawing/2010/main">
                 <a:solidFill>
                   <a:srgbClr val="FFFFFF"/>
                 </a:solidFill>
               </a14:hiddenFill>
             </a:ext>
             <a:ext uri="{91240B29-F687-4F45-9708-019B960494DF}">
-              <a14:hiddenLine xmlns:a14="http://schemas.microsoft.com/office/drawing/2010/main" xmlns="" w="9525">
+              <a14:hiddenLine xmlns:a14="http://schemas.microsoft.com/office/drawing/2010/main" w="9525">
                 <a:solidFill>
                   <a:srgbClr val="000000"/>
                 </a:solidFill>
@@ -1064,7 +1064,7 @@
           </a:ln>
           <a:extLst>
             <a:ext uri="{909E8E84-426E-40DD-AFC4-6F175D3DCCD1}">
-              <a14:hiddenFill xmlns:a14="http://schemas.microsoft.com/office/drawing/2010/main" xmlns="">
+              <a14:hiddenFill xmlns:a14="http://schemas.microsoft.com/office/drawing/2010/main">
                 <a:solidFill>
                   <a:srgbClr val="FFFFFF"/>
                 </a:solidFill>
@@ -1087,14 +1087,14 @@
           <a:noFill/>
           <a:extLst>
             <a:ext uri="{909E8E84-426E-40DD-AFC4-6F175D3DCCD1}">
-              <a14:hiddenFill xmlns:a14="http://schemas.microsoft.com/office/drawing/2010/main" xmlns="">
+              <a14:hiddenFill xmlns:a14="http://schemas.microsoft.com/office/drawing/2010/main">
                 <a:solidFill>
                   <a:srgbClr val="FFFFFF"/>
                 </a:solidFill>
               </a14:hiddenFill>
             </a:ext>
             <a:ext uri="{91240B29-F687-4F45-9708-019B960494DF}">
-              <a14:hiddenLine xmlns:a14="http://schemas.microsoft.com/office/drawing/2010/main" xmlns="" w="9525">
+              <a14:hiddenLine xmlns:a14="http://schemas.microsoft.com/office/drawing/2010/main" w="9525">
                 <a:solidFill>
                   <a:srgbClr val="000000"/>
                 </a:solidFill>
@@ -1120,7 +1120,7 @@
     </p:spTree>
     <p:extLst>
       <p:ext uri="{BB962C8B-B14F-4D97-AF65-F5344CB8AC3E}">
-        <p14:creationId xmlns:p14="http://schemas.microsoft.com/office/powerpoint/2010/main" xmlns="" val="3870613176"/>
+        <p14:creationId xmlns:p14="http://schemas.microsoft.com/office/powerpoint/2010/main" val="3870613176"/>
       </p:ext>
     </p:extLst>
   </p:cSld>
@@ -2080,7 +2080,7 @@
     </p:spTree>
     <p:extLst>
       <p:ext uri="{BB962C8B-B14F-4D97-AF65-F5344CB8AC3E}">
-        <p14:creationId xmlns:p14="http://schemas.microsoft.com/office/powerpoint/2010/main" xmlns="" val="708434323"/>
+        <p14:creationId xmlns:p14="http://schemas.microsoft.com/office/powerpoint/2010/main" val="708434323"/>
       </p:ext>
     </p:extLst>
   </p:cSld>
@@ -3856,7 +3856,7 @@
     </p:spTree>
     <p:extLst>
       <p:ext uri="{BB962C8B-B14F-4D97-AF65-F5344CB8AC3E}">
-        <p14:creationId xmlns:p14="http://schemas.microsoft.com/office/powerpoint/2010/main" xmlns="" val="1811488848"/>
+        <p14:creationId xmlns:p14="http://schemas.microsoft.com/office/powerpoint/2010/main" val="1811488848"/>
       </p:ext>
     </p:extLst>
   </p:cSld>
@@ -3961,7 +3961,7 @@
     </p:spTree>
     <p:extLst>
       <p:ext uri="{BB962C8B-B14F-4D97-AF65-F5344CB8AC3E}">
-        <p14:creationId xmlns:p14="http://schemas.microsoft.com/office/powerpoint/2010/main" xmlns="" val="937837853"/>
+        <p14:creationId xmlns:p14="http://schemas.microsoft.com/office/powerpoint/2010/main" val="937837853"/>
       </p:ext>
     </p:extLst>
   </p:cSld>
@@ -4076,7 +4076,7 @@
     </p:spTree>
     <p:extLst>
       <p:ext uri="{BB962C8B-B14F-4D97-AF65-F5344CB8AC3E}">
-        <p14:creationId xmlns:p14="http://schemas.microsoft.com/office/powerpoint/2010/main" xmlns="" val="2486534814"/>
+        <p14:creationId xmlns:p14="http://schemas.microsoft.com/office/powerpoint/2010/main" val="2486534814"/>
       </p:ext>
     </p:extLst>
   </p:cSld>
@@ -4243,7 +4243,7 @@
     </p:spTree>
     <p:extLst>
       <p:ext uri="{BB962C8B-B14F-4D97-AF65-F5344CB8AC3E}">
-        <p14:creationId xmlns:p14="http://schemas.microsoft.com/office/powerpoint/2010/main" xmlns="" val="374412665"/>
+        <p14:creationId xmlns:p14="http://schemas.microsoft.com/office/powerpoint/2010/main" val="374412665"/>
       </p:ext>
     </p:extLst>
   </p:cSld>
@@ -4400,7 +4400,7 @@
     </p:spTree>
     <p:extLst>
       <p:ext uri="{BB962C8B-B14F-4D97-AF65-F5344CB8AC3E}">
-        <p14:creationId xmlns:p14="http://schemas.microsoft.com/office/powerpoint/2010/main" xmlns="" val="2083599751"/>
+        <p14:creationId xmlns:p14="http://schemas.microsoft.com/office/powerpoint/2010/main" val="2083599751"/>
       </p:ext>
     </p:extLst>
   </p:cSld>
@@ -4718,7 +4718,7 @@
     </p:spTree>
     <p:extLst>
       <p:ext uri="{BB962C8B-B14F-4D97-AF65-F5344CB8AC3E}">
-        <p14:creationId xmlns:p14="http://schemas.microsoft.com/office/powerpoint/2010/main" xmlns="" val="458293771"/>
+        <p14:creationId xmlns:p14="http://schemas.microsoft.com/office/powerpoint/2010/main" val="458293771"/>
       </p:ext>
     </p:extLst>
   </p:cSld>
@@ -4823,7 +4823,7 @@
     </p:spTree>
     <p:extLst>
       <p:ext uri="{BB962C8B-B14F-4D97-AF65-F5344CB8AC3E}">
-        <p14:creationId xmlns:p14="http://schemas.microsoft.com/office/powerpoint/2010/main" xmlns="" val="1943878799"/>
+        <p14:creationId xmlns:p14="http://schemas.microsoft.com/office/powerpoint/2010/main" val="1943878799"/>
       </p:ext>
     </p:extLst>
   </p:cSld>
@@ -4950,7 +4950,7 @@
     </p:spTree>
     <p:extLst>
       <p:ext uri="{BB962C8B-B14F-4D97-AF65-F5344CB8AC3E}">
-        <p14:creationId xmlns:p14="http://schemas.microsoft.com/office/powerpoint/2010/main" xmlns="" val="2583098265"/>
+        <p14:creationId xmlns:p14="http://schemas.microsoft.com/office/powerpoint/2010/main" val="2583098265"/>
       </p:ext>
     </p:extLst>
   </p:cSld>
@@ -5173,7 +5173,7 @@
     </p:spTree>
     <p:extLst>
       <p:ext uri="{BB962C8B-B14F-4D97-AF65-F5344CB8AC3E}">
-        <p14:creationId xmlns:p14="http://schemas.microsoft.com/office/powerpoint/2010/main" xmlns="" val="1532038101"/>
+        <p14:creationId xmlns:p14="http://schemas.microsoft.com/office/powerpoint/2010/main" val="1532038101"/>
       </p:ext>
     </p:extLst>
   </p:cSld>
@@ -5535,7 +5535,7 @@
     </p:spTree>
     <p:extLst>
       <p:ext uri="{BB962C8B-B14F-4D97-AF65-F5344CB8AC3E}">
-        <p14:creationId xmlns:p14="http://schemas.microsoft.com/office/powerpoint/2010/main" xmlns="" val="2748951755"/>
+        <p14:creationId xmlns:p14="http://schemas.microsoft.com/office/powerpoint/2010/main" val="2748951755"/>
       </p:ext>
     </p:extLst>
   </p:cSld>
@@ -5588,7 +5588,7 @@
     </p:spTree>
     <p:extLst>
       <p:ext uri="{BB962C8B-B14F-4D97-AF65-F5344CB8AC3E}">
-        <p14:creationId xmlns:p14="http://schemas.microsoft.com/office/powerpoint/2010/main" xmlns="" val="1572434921"/>
+        <p14:creationId xmlns:p14="http://schemas.microsoft.com/office/powerpoint/2010/main" val="1572434921"/>
       </p:ext>
     </p:extLst>
   </p:cSld>
@@ -5618,7 +5618,7 @@
     </p:spTree>
     <p:extLst>
       <p:ext uri="{BB962C8B-B14F-4D97-AF65-F5344CB8AC3E}">
-        <p14:creationId xmlns:p14="http://schemas.microsoft.com/office/powerpoint/2010/main" xmlns="" val="3931965151"/>
+        <p14:creationId xmlns:p14="http://schemas.microsoft.com/office/powerpoint/2010/main" val="3931965151"/>
       </p:ext>
     </p:extLst>
   </p:cSld>
@@ -5830,7 +5830,7 @@
     </p:spTree>
     <p:extLst>
       <p:ext uri="{BB962C8B-B14F-4D97-AF65-F5344CB8AC3E}">
-        <p14:creationId xmlns:p14="http://schemas.microsoft.com/office/powerpoint/2010/main" xmlns="" val="2756203930"/>
+        <p14:creationId xmlns:p14="http://schemas.microsoft.com/office/powerpoint/2010/main" val="2756203930"/>
       </p:ext>
     </p:extLst>
   </p:cSld>
@@ -6019,7 +6019,7 @@
     </p:spTree>
     <p:extLst>
       <p:ext uri="{BB962C8B-B14F-4D97-AF65-F5344CB8AC3E}">
-        <p14:creationId xmlns:p14="http://schemas.microsoft.com/office/powerpoint/2010/main" xmlns="" val="417866087"/>
+        <p14:creationId xmlns:p14="http://schemas.microsoft.com/office/powerpoint/2010/main" val="417866087"/>
       </p:ext>
     </p:extLst>
   </p:cSld>
@@ -6116,14 +6116,14 @@
           </a:ln>
           <a:extLst>
             <a:ext uri="{909E8E84-426E-40DD-AFC4-6F175D3DCCD1}">
-              <a14:hiddenFill xmlns:a14="http://schemas.microsoft.com/office/drawing/2010/main" xmlns="">
+              <a14:hiddenFill xmlns:a14="http://schemas.microsoft.com/office/drawing/2010/main">
                 <a:solidFill>
                   <a:srgbClr val="FFFFFF"/>
                 </a:solidFill>
               </a14:hiddenFill>
             </a:ext>
             <a:ext uri="{91240B29-F687-4F45-9708-019B960494DF}">
-              <a14:hiddenLine xmlns:a14="http://schemas.microsoft.com/office/drawing/2010/main" xmlns="" w="9525">
+              <a14:hiddenLine xmlns:a14="http://schemas.microsoft.com/office/drawing/2010/main" w="9525">
                 <a:solidFill>
                   <a:srgbClr val="000000"/>
                 </a:solidFill>
@@ -6174,14 +6174,14 @@
           </a:ln>
           <a:extLst>
             <a:ext uri="{909E8E84-426E-40DD-AFC4-6F175D3DCCD1}">
-              <a14:hiddenFill xmlns:a14="http://schemas.microsoft.com/office/drawing/2010/main" xmlns="">
+              <a14:hiddenFill xmlns:a14="http://schemas.microsoft.com/office/drawing/2010/main">
                 <a:solidFill>
                   <a:srgbClr val="FFFFFF"/>
                 </a:solidFill>
               </a14:hiddenFill>
             </a:ext>
             <a:ext uri="{91240B29-F687-4F45-9708-019B960494DF}">
-              <a14:hiddenLine xmlns:a14="http://schemas.microsoft.com/office/drawing/2010/main" xmlns="" w="9525">
+              <a14:hiddenLine xmlns:a14="http://schemas.microsoft.com/office/drawing/2010/main" w="9525">
                 <a:solidFill>
                   <a:srgbClr val="000000"/>
                 </a:solidFill>
@@ -6696,7 +6696,7 @@
           <a:blip r:embed="rId5">
             <a:extLst>
               <a:ext uri="{28A0092B-C50C-407E-A947-70E740481C1C}">
-                <a14:useLocalDpi xmlns:a14="http://schemas.microsoft.com/office/drawing/2010/main" xmlns="" val="0"/>
+                <a14:useLocalDpi xmlns:a14="http://schemas.microsoft.com/office/drawing/2010/main" val="0"/>
               </a:ext>
             </a:extLst>
           </a:blip>
@@ -6719,14 +6719,14 @@
           </a:ln>
           <a:extLst>
             <a:ext uri="{909E8E84-426E-40DD-AFC4-6F175D3DCCD1}">
-              <a14:hiddenFill xmlns:a14="http://schemas.microsoft.com/office/drawing/2010/main" xmlns="">
+              <a14:hiddenFill xmlns:a14="http://schemas.microsoft.com/office/drawing/2010/main">
                 <a:solidFill>
                   <a:srgbClr val="FFFFFF"/>
                 </a:solidFill>
               </a14:hiddenFill>
             </a:ext>
             <a:ext uri="{91240B29-F687-4F45-9708-019B960494DF}">
-              <a14:hiddenLine xmlns:a14="http://schemas.microsoft.com/office/drawing/2010/main" xmlns="" w="9525">
+              <a14:hiddenLine xmlns:a14="http://schemas.microsoft.com/office/drawing/2010/main" w="9525">
                 <a:solidFill>
                   <a:srgbClr val="000000"/>
                 </a:solidFill>
@@ -6762,14 +6762,14 @@
           </a:ln>
           <a:extLst>
             <a:ext uri="{909E8E84-426E-40DD-AFC4-6F175D3DCCD1}">
-              <a14:hiddenFill xmlns:a14="http://schemas.microsoft.com/office/drawing/2010/main" xmlns="">
+              <a14:hiddenFill xmlns:a14="http://schemas.microsoft.com/office/drawing/2010/main">
                 <a:solidFill>
                   <a:srgbClr val="FFFFFF"/>
                 </a:solidFill>
               </a14:hiddenFill>
             </a:ext>
             <a:ext uri="{91240B29-F687-4F45-9708-019B960494DF}">
-              <a14:hiddenLine xmlns:a14="http://schemas.microsoft.com/office/drawing/2010/main" xmlns="" w="9525">
+              <a14:hiddenLine xmlns:a14="http://schemas.microsoft.com/office/drawing/2010/main" w="9525">
                 <a:solidFill>
                   <a:srgbClr val="000000"/>
                 </a:solidFill>
@@ -6820,14 +6820,14 @@
           </a:ln>
           <a:extLst>
             <a:ext uri="{909E8E84-426E-40DD-AFC4-6F175D3DCCD1}">
-              <a14:hiddenFill xmlns:a14="http://schemas.microsoft.com/office/drawing/2010/main" xmlns="">
+              <a14:hiddenFill xmlns:a14="http://schemas.microsoft.com/office/drawing/2010/main">
                 <a:solidFill>
                   <a:srgbClr val="FFFFFF"/>
                 </a:solidFill>
               </a14:hiddenFill>
             </a:ext>
             <a:ext uri="{91240B29-F687-4F45-9708-019B960494DF}">
-              <a14:hiddenLine xmlns:a14="http://schemas.microsoft.com/office/drawing/2010/main" xmlns="" w="9525">
+              <a14:hiddenLine xmlns:a14="http://schemas.microsoft.com/office/drawing/2010/main" w="9525">
                 <a:solidFill>
                   <a:srgbClr val="000000"/>
                 </a:solidFill>
@@ -6933,7 +6933,7 @@
               <a:pPr>
                 <a:defRPr/>
               </a:pPr>
-              <a:t>2016-10-26</a:t>
+              <a:t>2016/11/2</a:t>
             </a:fld>
             <a:endParaRPr lang="zh-CN" altLang="en-US"/>
           </a:p>
@@ -7571,16 +7571,8 @@
               <a:defRPr/>
             </a:pPr>
             <a:r>
-              <a:rPr lang="en-US" altLang="zh-CN" dirty="0" err="1" smtClean="0"/>
-              <a:t>MyStore</a:t>
-            </a:r>
-            <a:r>
-              <a:rPr lang="zh-CN" altLang="en-US" dirty="0" smtClean="0"/>
-              <a:t>案例分析</a:t>
-            </a:r>
-            <a:r>
-              <a:rPr lang="en-US" altLang="zh-CN" dirty="0" smtClean="0"/>
-              <a:t>6</a:t>
+              <a:rPr lang="en-US" altLang="zh-CN" smtClean="0"/>
+              <a:t>I have a pen </a:t>
             </a:r>
             <a:endParaRPr lang="zh-CN" altLang="en-US" dirty="0"/>
           </a:p>
